--- a/廖龙/第13周_2018秋/2018.12.1第13周组会汇报_廖龙.pptx
+++ b/廖龙/第13周_2018秋/2018.12.1第13周组会汇报_廖龙.pptx
@@ -228,7 +228,7 @@
           <a:p>
             <a:fld id="{B4532B5A-DB75-44CE-890A-C7B4A7948C24}" type="datetimeFigureOut">
               <a:rPr lang="zh-CN" altLang="en-US" smtClean="0"/>
-              <a:t>2018/11/27</a:t>
+              <a:t>2018/12/1</a:t>
             </a:fld>
             <a:endParaRPr lang="zh-CN" altLang="en-US"/>
           </a:p>
@@ -1327,11 +1327,7 @@
             </a:r>
             <a:r>
               <a:rPr lang="en-US" altLang="zh-CN" dirty="0" smtClean="0"/>
-              <a:t>/ </a:t>
-            </a:r>
-            <a:r>
-              <a:rPr lang="en-US" altLang="zh-CN" dirty="0" smtClean="0"/>
-              <a:t>18</a:t>
+              <a:t>/ 18</a:t>
             </a:r>
             <a:endParaRPr lang="zh-CN" altLang="en-US" dirty="0"/>
           </a:p>
@@ -1372,7 +1368,7 @@
           <a:p>
             <a:fld id="{4E424160-F69D-4AB7-9EA9-F7689297DD3D}" type="datetime1">
               <a:rPr lang="zh-CN" altLang="en-US" smtClean="0"/>
-              <a:t>2018/11/27</a:t>
+              <a:t>2018/12/1</a:t>
             </a:fld>
             <a:endParaRPr lang="zh-CN" altLang="en-US" dirty="0"/>
           </a:p>
@@ -1780,7 +1776,7 @@
           <a:p>
             <a:fld id="{8AE616CC-F2BD-406B-B84B-B1EFEFB7E8FE}" type="datetime1">
               <a:rPr lang="zh-CN" altLang="en-US" smtClean="0"/>
-              <a:t>2018/11/27</a:t>
+              <a:t>2018/12/1</a:t>
             </a:fld>
             <a:endParaRPr lang="zh-CN" altLang="en-US" dirty="0"/>
           </a:p>
@@ -2163,8 +2159,12 @@
                 <a:latin typeface="Times New Roman" panose="02020603050405020304" pitchFamily="18" charset="0"/>
                 <a:cs typeface="Times New Roman" panose="02020603050405020304" pitchFamily="18" charset="0"/>
               </a:rPr>
-              <a:t>invariant:</a:t>
-            </a:r>
+              <a:t>invariant</a:t>
+            </a:r>
+            <a:endParaRPr lang="en-US" altLang="zh-CN" sz="4000" b="1" dirty="0" smtClean="0">
+              <a:latin typeface="Times New Roman" panose="02020603050405020304" pitchFamily="18" charset="0"/>
+              <a:cs typeface="Times New Roman" panose="02020603050405020304" pitchFamily="18" charset="0"/>
+            </a:endParaRPr>
           </a:p>
           <a:p>
             <a:pPr algn="ctr"/>
@@ -2173,7 +2173,14 @@
                 <a:latin typeface="Times New Roman" panose="02020603050405020304" pitchFamily="18" charset="0"/>
                 <a:cs typeface="Times New Roman" panose="02020603050405020304" pitchFamily="18" charset="0"/>
               </a:rPr>
-              <a:t>Paper Reading</a:t>
+              <a:t>--Paper </a:t>
+            </a:r>
+            <a:r>
+              <a:rPr lang="en-US" altLang="zh-CN" sz="4000" b="1" dirty="0" smtClean="0">
+                <a:latin typeface="Times New Roman" panose="02020603050405020304" pitchFamily="18" charset="0"/>
+                <a:cs typeface="Times New Roman" panose="02020603050405020304" pitchFamily="18" charset="0"/>
+              </a:rPr>
+              <a:t>Reading</a:t>
             </a:r>
             <a:endParaRPr lang="en-US" altLang="zh-CN" sz="4000" b="1" dirty="0">
               <a:latin typeface="Times New Roman" panose="02020603050405020304" pitchFamily="18" charset="0"/>
@@ -2355,7 +2362,7 @@
           <a:p>
             <a:fld id="{C97637FA-E078-4F0E-B2CC-9A75BE962ACC}" type="datetime1">
               <a:rPr lang="zh-CN" altLang="en-US" smtClean="0"/>
-              <a:t>2018/11/27</a:t>
+              <a:t>2018/12/1</a:t>
             </a:fld>
             <a:endParaRPr lang="zh-CN" altLang="en-US" dirty="0"/>
           </a:p>
@@ -2819,7 +2826,7 @@
           <a:p>
             <a:fld id="{5A1BDF93-5C3D-43C3-A857-CC09A6BECCCC}" type="datetime1">
               <a:rPr lang="zh-CN" altLang="en-US" smtClean="0"/>
-              <a:t>2018/11/27</a:t>
+              <a:t>2018/12/1</a:t>
             </a:fld>
             <a:endParaRPr lang="zh-CN" altLang="en-US" dirty="0"/>
           </a:p>
@@ -3203,7 +3210,7 @@
           <a:p>
             <a:fld id="{D8B34286-894E-43C6-BE82-4B71837B3ED8}" type="datetime1">
               <a:rPr lang="zh-CN" altLang="en-US" smtClean="0"/>
-              <a:t>2018/11/27</a:t>
+              <a:t>2018/12/1</a:t>
             </a:fld>
             <a:endParaRPr lang="zh-CN" altLang="en-US" dirty="0"/>
           </a:p>
@@ -4369,7 +4376,7 @@
           <a:p>
             <a:fld id="{AAF22856-55A4-4CBF-8803-BFD07A62F2B5}" type="datetime1">
               <a:rPr lang="zh-CN" altLang="en-US" smtClean="0"/>
-              <a:t>2018/11/27</a:t>
+              <a:t>2018/12/1</a:t>
             </a:fld>
             <a:endParaRPr lang="zh-CN" altLang="en-US" dirty="0"/>
           </a:p>
@@ -4630,7 +4637,7 @@
           <a:p>
             <a:fld id="{04C95B9F-C491-410D-BE6A-35B56E648478}" type="datetime1">
               <a:rPr lang="zh-CN" altLang="en-US" smtClean="0"/>
-              <a:t>2018/11/27</a:t>
+              <a:t>2018/12/1</a:t>
             </a:fld>
             <a:endParaRPr lang="zh-CN" altLang="en-US" dirty="0"/>
           </a:p>
@@ -4990,7 +4997,7 @@
           <a:p>
             <a:fld id="{77895240-B665-4989-9292-E7DE76BBBF0F}" type="datetime1">
               <a:rPr lang="zh-CN" altLang="en-US" smtClean="0"/>
-              <a:t>2018/11/27</a:t>
+              <a:t>2018/12/1</a:t>
             </a:fld>
             <a:endParaRPr lang="zh-CN" altLang="en-US" dirty="0"/>
           </a:p>
@@ -5137,7 +5144,7 @@
           <a:p>
             <a:fld id="{FA7BAF23-3098-4B44-86F8-990E1DCBF96C}" type="datetime1">
               <a:rPr lang="zh-CN" altLang="en-US" smtClean="0"/>
-              <a:t>2018/11/27</a:t>
+              <a:t>2018/12/1</a:t>
             </a:fld>
             <a:endParaRPr lang="zh-CN" altLang="en-US" dirty="0"/>
           </a:p>
@@ -5389,7 +5396,7 @@
           <a:p>
             <a:fld id="{F87F3DC5-F12F-4E31-8D31-891025E171ED}" type="datetime1">
               <a:rPr lang="zh-CN" altLang="en-US" smtClean="0"/>
-              <a:t>2018/11/27</a:t>
+              <a:t>2018/12/1</a:t>
             </a:fld>
             <a:endParaRPr lang="zh-CN" altLang="en-US" dirty="0"/>
           </a:p>
@@ -5719,7 +5726,7 @@
           <a:p>
             <a:fld id="{5CE9E568-4CCE-405E-8213-ED01A39D00C5}" type="datetime1">
               <a:rPr lang="zh-CN" altLang="en-US" smtClean="0"/>
-              <a:t>2018/11/27</a:t>
+              <a:t>2018/12/1</a:t>
             </a:fld>
             <a:endParaRPr lang="zh-CN" altLang="en-US" dirty="0"/>
           </a:p>
@@ -5982,7 +5989,7 @@
           <a:p>
             <a:fld id="{3F8A0732-1BBE-48C9-86B0-94AD0396DA86}" type="datetime1">
               <a:rPr lang="zh-CN" altLang="en-US" smtClean="0"/>
-              <a:t>2018/11/27</a:t>
+              <a:t>2018/12/1</a:t>
             </a:fld>
             <a:endParaRPr lang="zh-CN" altLang="en-US" dirty="0"/>
           </a:p>
@@ -6216,7 +6223,7 @@
           <a:p>
             <a:fld id="{EFD59938-4CFA-41B0-A025-F3B32E1A7EB7}" type="datetime1">
               <a:rPr lang="zh-CN" altLang="en-US" smtClean="0"/>
-              <a:t>2018/11/27</a:t>
+              <a:t>2018/12/1</a:t>
             </a:fld>
             <a:endParaRPr lang="zh-CN" altLang="en-US" dirty="0"/>
           </a:p>
@@ -6601,7 +6608,7 @@
           <a:p>
             <a:fld id="{CBB1B422-6CCF-4267-9E84-2ABE6319D515}" type="datetime1">
               <a:rPr lang="zh-CN" altLang="en-US" smtClean="0"/>
-              <a:t>2018/11/27</a:t>
+              <a:t>2018/12/1</a:t>
             </a:fld>
             <a:endParaRPr lang="zh-CN" altLang="en-US" dirty="0"/>
           </a:p>
@@ -7222,7 +7229,7 @@
           <a:p>
             <a:fld id="{6C3D0CD6-14EC-4DE6-89F2-F2BF09AD28DC}" type="datetime1">
               <a:rPr lang="zh-CN" altLang="en-US" smtClean="0"/>
-              <a:t>2018/11/27</a:t>
+              <a:t>2018/12/1</a:t>
             </a:fld>
             <a:endParaRPr lang="zh-CN" altLang="en-US" dirty="0"/>
           </a:p>
@@ -7483,7 +7490,7 @@
           <a:p>
             <a:fld id="{FA42CD94-ADD0-4905-BB75-E46AC301E7EA}" type="datetime1">
               <a:rPr lang="zh-CN" altLang="en-US" smtClean="0"/>
-              <a:t>2018/11/27</a:t>
+              <a:t>2018/12/1</a:t>
             </a:fld>
             <a:endParaRPr lang="zh-CN" altLang="en-US" dirty="0"/>
           </a:p>
@@ -7833,7 +7840,7 @@
           <a:p>
             <a:fld id="{D1C05D51-FC23-4F3E-BBBE-80DEBEA3FF2A}" type="datetime1">
               <a:rPr lang="zh-CN" altLang="en-US" smtClean="0"/>
-              <a:t>2018/11/27</a:t>
+              <a:t>2018/12/1</a:t>
             </a:fld>
             <a:endParaRPr lang="zh-CN" altLang="en-US" dirty="0"/>
           </a:p>
@@ -8203,7 +8210,7 @@
           <a:p>
             <a:fld id="{337FA019-F211-4158-B6CB-1BF27AD37B35}" type="datetime1">
               <a:rPr lang="zh-CN" altLang="en-US" smtClean="0"/>
-              <a:t>2018/11/27</a:t>
+              <a:t>2018/12/1</a:t>
             </a:fld>
             <a:endParaRPr lang="zh-CN" altLang="en-US" dirty="0"/>
           </a:p>
@@ -9514,7 +9521,7 @@
           <a:p>
             <a:fld id="{043CC149-7FF1-4E0D-B986-B24843DB5003}" type="datetime1">
               <a:rPr lang="zh-CN" altLang="en-US" smtClean="0"/>
-              <a:t>2018/11/27</a:t>
+              <a:t>2018/12/1</a:t>
             </a:fld>
             <a:endParaRPr lang="zh-CN" altLang="en-US" dirty="0"/>
           </a:p>
@@ -9829,7 +9836,7 @@
           <a:p>
             <a:fld id="{2CC55845-436D-423C-A32A-7CAD53352E84}" type="datetime1">
               <a:rPr lang="zh-CN" altLang="en-US" smtClean="0"/>
-              <a:t>2018/11/27</a:t>
+              <a:t>2018/12/1</a:t>
             </a:fld>
             <a:endParaRPr lang="zh-CN" altLang="en-US" dirty="0"/>
           </a:p>
